--- a/GestionProjet/Objectifs_Rendus/Presentation_Objectifs_Rendus_20sept.pptx
+++ b/GestionProjet/Objectifs_Rendus/Presentation_Objectifs_Rendus_20sept.pptx
@@ -109,6 +109,11 @@
       </a:defRPr>
     </a:lvl9pPr>
   </p:defaultTextStyle>
+  <p:extLst>
+    <p:ext uri="{EFAFB233-063F-42B5-8137-9DF3F51BA10A}">
+      <p15:sldGuideLst xmlns:p15="http://schemas.microsoft.com/office/powerpoint/2012/main"/>
+    </p:ext>
+  </p:extLst>
 </p:presentation>
 </file>
 
@@ -3820,7 +3825,7 @@
           <a:p>
             <a:fld id="{15BB3496-BA73-674A-84C9-6E757030EAEB}" type="datetimeFigureOut">
               <a:rPr lang="fr-FR" smtClean="0"/>
-              <a:t>19/09/2024</a:t>
+              <a:t>20/09/2024</a:t>
             </a:fld>
             <a:endParaRPr lang="fr-FR"/>
           </a:p>
@@ -4020,7 +4025,7 @@
           <a:p>
             <a:fld id="{15BB3496-BA73-674A-84C9-6E757030EAEB}" type="datetimeFigureOut">
               <a:rPr lang="fr-FR" smtClean="0"/>
-              <a:t>19/09/2024</a:t>
+              <a:t>20/09/2024</a:t>
             </a:fld>
             <a:endParaRPr lang="fr-FR"/>
           </a:p>
@@ -4230,7 +4235,7 @@
           <a:p>
             <a:fld id="{15BB3496-BA73-674A-84C9-6E757030EAEB}" type="datetimeFigureOut">
               <a:rPr lang="fr-FR" smtClean="0"/>
-              <a:t>19/09/2024</a:t>
+              <a:t>20/09/2024</a:t>
             </a:fld>
             <a:endParaRPr lang="fr-FR"/>
           </a:p>
@@ -4430,7 +4435,7 @@
           <a:p>
             <a:fld id="{15BB3496-BA73-674A-84C9-6E757030EAEB}" type="datetimeFigureOut">
               <a:rPr lang="fr-FR" smtClean="0"/>
-              <a:t>19/09/2024</a:t>
+              <a:t>20/09/2024</a:t>
             </a:fld>
             <a:endParaRPr lang="fr-FR"/>
           </a:p>
@@ -4706,7 +4711,7 @@
           <a:p>
             <a:fld id="{15BB3496-BA73-674A-84C9-6E757030EAEB}" type="datetimeFigureOut">
               <a:rPr lang="fr-FR" smtClean="0"/>
-              <a:t>19/09/2024</a:t>
+              <a:t>20/09/2024</a:t>
             </a:fld>
             <a:endParaRPr lang="fr-FR"/>
           </a:p>
@@ -4974,7 +4979,7 @@
           <a:p>
             <a:fld id="{15BB3496-BA73-674A-84C9-6E757030EAEB}" type="datetimeFigureOut">
               <a:rPr lang="fr-FR" smtClean="0"/>
-              <a:t>19/09/2024</a:t>
+              <a:t>20/09/2024</a:t>
             </a:fld>
             <a:endParaRPr lang="fr-FR"/>
           </a:p>
@@ -5389,7 +5394,7 @@
           <a:p>
             <a:fld id="{15BB3496-BA73-674A-84C9-6E757030EAEB}" type="datetimeFigureOut">
               <a:rPr lang="fr-FR" smtClean="0"/>
-              <a:t>19/09/2024</a:t>
+              <a:t>20/09/2024</a:t>
             </a:fld>
             <a:endParaRPr lang="fr-FR"/>
           </a:p>
@@ -5531,7 +5536,7 @@
           <a:p>
             <a:fld id="{15BB3496-BA73-674A-84C9-6E757030EAEB}" type="datetimeFigureOut">
               <a:rPr lang="fr-FR" smtClean="0"/>
-              <a:t>19/09/2024</a:t>
+              <a:t>20/09/2024</a:t>
             </a:fld>
             <a:endParaRPr lang="fr-FR"/>
           </a:p>
@@ -5644,7 +5649,7 @@
           <a:p>
             <a:fld id="{15BB3496-BA73-674A-84C9-6E757030EAEB}" type="datetimeFigureOut">
               <a:rPr lang="fr-FR" smtClean="0"/>
-              <a:t>19/09/2024</a:t>
+              <a:t>20/09/2024</a:t>
             </a:fld>
             <a:endParaRPr lang="fr-FR"/>
           </a:p>
@@ -5957,7 +5962,7 @@
           <a:p>
             <a:fld id="{15BB3496-BA73-674A-84C9-6E757030EAEB}" type="datetimeFigureOut">
               <a:rPr lang="fr-FR" smtClean="0"/>
-              <a:t>19/09/2024</a:t>
+              <a:t>20/09/2024</a:t>
             </a:fld>
             <a:endParaRPr lang="fr-FR"/>
           </a:p>
@@ -6246,7 +6251,7 @@
           <a:p>
             <a:fld id="{15BB3496-BA73-674A-84C9-6E757030EAEB}" type="datetimeFigureOut">
               <a:rPr lang="fr-FR" smtClean="0"/>
-              <a:t>19/09/2024</a:t>
+              <a:t>20/09/2024</a:t>
             </a:fld>
             <a:endParaRPr lang="fr-FR"/>
           </a:p>
@@ -6489,7 +6494,7 @@
           <a:p>
             <a:fld id="{15BB3496-BA73-674A-84C9-6E757030EAEB}" type="datetimeFigureOut">
               <a:rPr lang="fr-FR" smtClean="0"/>
-              <a:t>19/09/2024</a:t>
+              <a:t>20/09/2024</a:t>
             </a:fld>
             <a:endParaRPr lang="fr-FR"/>
           </a:p>
@@ -8955,54 +8960,6 @@
       </p:sp>
       <p:pic>
         <p:nvPicPr>
-          <p:cNvPr id="2050" name="Picture 2" descr="The Role of Virtual Coach in LMS Platforms | VITECO">
-            <a:extLst>
-              <a:ext uri="{FF2B5EF4-FFF2-40B4-BE49-F238E27FC236}">
-                <a16:creationId xmlns:a16="http://schemas.microsoft.com/office/drawing/2014/main" id="{FBECEAAF-D472-928C-42CA-185EC7A0AEA5}"/>
-              </a:ext>
-            </a:extLst>
-          </p:cNvPr>
-          <p:cNvPicPr>
-            <a:picLocks noGrp="1" noChangeAspect="1" noChangeArrowheads="1"/>
-          </p:cNvPicPr>
-          <p:nvPr>
-            <p:ph sz="quarter" idx="4"/>
-          </p:nvPr>
-        </p:nvPicPr>
-        <p:blipFill>
-          <a:blip r:embed="rId2">
-            <a:extLst>
-              <a:ext uri="{28A0092B-C50C-407E-A947-70E740481C1C}">
-                <a14:useLocalDpi xmlns:a14="http://schemas.microsoft.com/office/drawing/2010/main" val="0"/>
-              </a:ext>
-            </a:extLst>
-          </a:blip>
-          <a:stretch>
-            <a:fillRect/>
-          </a:stretch>
-        </p:blipFill>
-        <p:spPr bwMode="auto">
-          <a:xfrm>
-            <a:off x="621676" y="897786"/>
-            <a:ext cx="3874124" cy="2095837"/>
-          </a:xfrm>
-          <a:prstGeom prst="rect">
-            <a:avLst/>
-          </a:prstGeom>
-          <a:noFill/>
-          <a:extLst>
-            <a:ext uri="{909E8E84-426E-40DD-AFC4-6F175D3DCCD1}">
-              <a14:hiddenFill xmlns:a14="http://schemas.microsoft.com/office/drawing/2010/main">
-                <a:solidFill>
-                  <a:srgbClr val="FFFFFF"/>
-                </a:solidFill>
-              </a14:hiddenFill>
-            </a:ext>
-          </a:extLst>
-        </p:spPr>
-      </p:pic>
-      <p:pic>
-        <p:nvPicPr>
           <p:cNvPr id="8" name="Content Placeholder 7" descr="A robot with arms raised and heart shaped eyes&#10;&#10;Description automatically generated with medium confidence">
             <a:extLst>
               <a:ext uri="{FF2B5EF4-FFF2-40B4-BE49-F238E27FC236}">
@@ -9016,7 +8973,7 @@
           <p:nvPr/>
         </p:nvPicPr>
         <p:blipFill>
-          <a:blip r:embed="rId3" cstate="print">
+          <a:blip r:embed="rId2" cstate="print">
             <a:extLst>
               <a:ext uri="{28A0092B-C50C-407E-A947-70E740481C1C}">
                 <a14:useLocalDpi xmlns:a14="http://schemas.microsoft.com/office/drawing/2010/main" val="0"/>
@@ -9718,6 +9675,36 @@
           </a:p>
         </p:txBody>
       </p:sp>
+      <p:pic>
+        <p:nvPicPr>
+          <p:cNvPr id="5" name="Picture 4" descr="A logo for a virtual coach&#10;&#10;Description automatically generated">
+            <a:extLst>
+              <a:ext uri="{FF2B5EF4-FFF2-40B4-BE49-F238E27FC236}">
+                <a16:creationId xmlns:a16="http://schemas.microsoft.com/office/drawing/2014/main" id="{E0126036-8162-3BF2-3A99-17D44C67A4F4}"/>
+              </a:ext>
+            </a:extLst>
+          </p:cNvPr>
+          <p:cNvPicPr>
+            <a:picLocks noChangeAspect="1"/>
+          </p:cNvPicPr>
+          <p:nvPr/>
+        </p:nvPicPr>
+        <p:blipFill>
+          <a:blip r:embed="rId3"/>
+          <a:stretch>
+            <a:fillRect/>
+          </a:stretch>
+        </p:blipFill>
+        <p:spPr>
+          <a:xfrm>
+            <a:off x="1145873" y="491447"/>
+            <a:ext cx="2843323" cy="2730757"/>
+          </a:xfrm>
+          <a:prstGeom prst="rect">
+            <a:avLst/>
+          </a:prstGeom>
+        </p:spPr>
+      </p:pic>
     </p:spTree>
     <p:extLst>
       <p:ext uri="{BB962C8B-B14F-4D97-AF65-F5344CB8AC3E}">

--- a/GestionProjet/Objectifs_Rendus/Presentation_Objectifs_Rendus_20sept.pptx
+++ b/GestionProjet/Objectifs_Rendus/Presentation_Objectifs_Rendus_20sept.pptx
@@ -9870,8 +9870,16 @@
               <a:buNone/>
             </a:pPr>
             <a:r>
-              <a:rPr lang="fr-FR" sz="2000"/>
-              <a:t>Étant donné que nous allons utiliser directement un modèle d’IA LLM déjà entraîné, nous n'aurons pas besoin de données pour entraîner notre modèle. Cependant, nous aurons besoin de données pour faire fonctionner l’application. En considérant ces données comme des datasets : </a:t>
+              <a:rPr lang="fr-FR" sz="2000" dirty="0"/>
+              <a:t>Étant donné que nous allons utiliser directement un modèle d’IA LLM déjà entraîné, nous n'aurons pas besoin de données pour entraîner notre modèle. Cependant, nous aurons besoin de données pour faire fonctionner l’application. En considérant ces données comme des </a:t>
+            </a:r>
+            <a:r>
+              <a:rPr lang="fr-FR" sz="2000" dirty="0" err="1"/>
+              <a:t>datasets</a:t>
+            </a:r>
+            <a:r>
+              <a:rPr lang="fr-FR" sz="2000" dirty="0"/>
+              <a:t> : </a:t>
             </a:r>
           </a:p>
           <a:p>
@@ -9880,8 +9888,16 @@
               <a:buAutoNum type="arabicPeriod"/>
             </a:pPr>
             <a:r>
-              <a:rPr lang="fr-FR" sz="2000"/>
-              <a:t>Liste / Catégories / GIFs des exercices</a:t>
+              <a:rPr lang="fr-FR" sz="2000" dirty="0"/>
+              <a:t>Liste / Catégories / </a:t>
+            </a:r>
+            <a:r>
+              <a:rPr lang="fr-FR" sz="2000" dirty="0" err="1"/>
+              <a:t>GIFs</a:t>
+            </a:r>
+            <a:r>
+              <a:rPr lang="fr-FR" sz="2000" dirty="0"/>
+              <a:t> des exercices</a:t>
             </a:r>
           </a:p>
           <a:p>
@@ -9890,12 +9906,12 @@
               <a:buAutoNum type="arabicPeriod"/>
             </a:pPr>
             <a:r>
-              <a:rPr lang="fr-FR" sz="2000"/>
+              <a:rPr lang="fr-FR" sz="2000" dirty="0"/>
               <a:t>Liste des équipements</a:t>
             </a:r>
           </a:p>
           <a:p>
-            <a:endParaRPr lang="fr-FR" sz="2000"/>
+            <a:endParaRPr lang="fr-FR" sz="2000" dirty="0"/>
           </a:p>
         </p:txBody>
       </p:sp>
@@ -10584,7 +10600,7 @@
               <a:buNone/>
             </a:pPr>
             <a:r>
-              <a:rPr lang="en-FR" sz="1500" kern="100">
+              <a:rPr lang="en-FR" sz="1500" kern="100" dirty="0">
                 <a:effectLst/>
                 <a:latin typeface="Aptos" panose="020B0004020202020204" pitchFamily="34" charset="0"/>
                 <a:ea typeface="Aptos" panose="020B0004020202020204" pitchFamily="34" charset="0"/>
@@ -10598,7 +10614,7 @@
               <a:buNone/>
             </a:pPr>
             <a:r>
-              <a:rPr lang="fr-FR" sz="1500" kern="100">
+              <a:rPr lang="fr-FR" sz="1500" kern="100" dirty="0">
                 <a:effectLst/>
                 <a:latin typeface="Aptos" panose="020B0004020202020204" pitchFamily="34" charset="0"/>
                 <a:ea typeface="Aptos" panose="020B0004020202020204" pitchFamily="34" charset="0"/>
@@ -10606,7 +10622,7 @@
               </a:rPr>
               <a:t> </a:t>
             </a:r>
-            <a:endParaRPr lang="en-FR" sz="1500" kern="100">
+            <a:endParaRPr lang="en-FR" sz="1500" kern="100" dirty="0">
               <a:effectLst/>
               <a:latin typeface="Aptos" panose="020B0004020202020204" pitchFamily="34" charset="0"/>
               <a:ea typeface="Aptos" panose="020B0004020202020204" pitchFamily="34" charset="0"/>
@@ -10614,7 +10630,7 @@
             </a:endParaRPr>
           </a:p>
           <a:p>
-            <a:endParaRPr lang="fr-FR" sz="1500"/>
+            <a:endParaRPr lang="fr-FR" sz="1500" dirty="0"/>
           </a:p>
         </p:txBody>
       </p:sp>
